--- a/Images/Figures_PPT/ComponentsExcavataPieChart.pptx
+++ b/Images/Figures_PPT/ComponentsExcavataPieChart.pptx
@@ -2298,1160 +2298,741 @@
           </p:nvSpPr>
           <p:spPr>
             <a:xfrm>
-              <a:off x="5486400" y="1749568"/>
-              <a:ext cx="218618" cy="2473613"/>
+              <a:off x="3012875" y="1749568"/>
+              <a:ext cx="4947049" cy="4946871"/>
             </a:xfrm>
             <a:custGeom>
               <a:avLst/>
               <a:pathLst>
-                <a:path w="218618" h="2473613">
+                <a:path w="4947049" h="4946871">
                   <a:moveTo>
-                    <a:pt x="0" y="2473613"/>
+                    <a:pt x="2473524" y="2473613"/>
                   </a:moveTo>
                   <a:lnTo>
-                    <a:pt x="7538" y="2388650"/>
-                  </a:lnTo>
-                  <a:lnTo>
-                    <a:pt x="15077" y="2303687"/>
-                  </a:lnTo>
-                  <a:lnTo>
-                    <a:pt x="22615" y="2218724"/>
-                  </a:lnTo>
-                  <a:lnTo>
-                    <a:pt x="30154" y="2133760"/>
-                  </a:lnTo>
-                  <a:lnTo>
-                    <a:pt x="37692" y="2048797"/>
-                  </a:lnTo>
-                  <a:lnTo>
-                    <a:pt x="45231" y="1963834"/>
-                  </a:lnTo>
-                  <a:lnTo>
-                    <a:pt x="52769" y="1878871"/>
-                  </a:lnTo>
-                  <a:lnTo>
-                    <a:pt x="60308" y="1793907"/>
-                  </a:lnTo>
-                  <a:lnTo>
-                    <a:pt x="67847" y="1708944"/>
-                  </a:lnTo>
-                  <a:lnTo>
-                    <a:pt x="75385" y="1623981"/>
-                  </a:lnTo>
-                  <a:lnTo>
-                    <a:pt x="82924" y="1539018"/>
-                  </a:lnTo>
-                  <a:lnTo>
-                    <a:pt x="90462" y="1454054"/>
-                  </a:lnTo>
-                  <a:lnTo>
-                    <a:pt x="98001" y="1369091"/>
-                  </a:lnTo>
-                  <a:lnTo>
-                    <a:pt x="105539" y="1284128"/>
-                  </a:lnTo>
-                  <a:lnTo>
-                    <a:pt x="113078" y="1199165"/>
-                  </a:lnTo>
-                  <a:lnTo>
-                    <a:pt x="120616" y="1114201"/>
-                  </a:lnTo>
-                  <a:lnTo>
-                    <a:pt x="128155" y="1029238"/>
-                  </a:lnTo>
-                  <a:lnTo>
-                    <a:pt x="135694" y="944275"/>
-                  </a:lnTo>
-                  <a:lnTo>
-                    <a:pt x="143232" y="859312"/>
-                  </a:lnTo>
-                  <a:lnTo>
-                    <a:pt x="150771" y="774348"/>
-                  </a:lnTo>
-                  <a:lnTo>
-                    <a:pt x="158309" y="689385"/>
-                  </a:lnTo>
-                  <a:lnTo>
-                    <a:pt x="165848" y="604422"/>
-                  </a:lnTo>
-                  <a:lnTo>
-                    <a:pt x="173386" y="519459"/>
-                  </a:lnTo>
-                  <a:lnTo>
-                    <a:pt x="180925" y="434495"/>
-                  </a:lnTo>
-                  <a:lnTo>
-                    <a:pt x="188464" y="349532"/>
-                  </a:lnTo>
-                  <a:lnTo>
-                    <a:pt x="196002" y="264569"/>
-                  </a:lnTo>
-                  <a:lnTo>
-                    <a:pt x="203541" y="179606"/>
-                  </a:lnTo>
-                  <a:lnTo>
-                    <a:pt x="211079" y="94642"/>
-                  </a:lnTo>
-                  <a:lnTo>
-                    <a:pt x="218618" y="9679"/>
-                  </a:lnTo>
-                  <a:lnTo>
-                    <a:pt x="109416" y="2421"/>
-                  </a:lnTo>
-                  <a:lnTo>
-                    <a:pt x="0" y="0"/>
-                  </a:lnTo>
-                  <a:lnTo>
-                    <a:pt x="0" y="85297"/>
-                  </a:lnTo>
-                  <a:lnTo>
-                    <a:pt x="0" y="170594"/>
-                  </a:lnTo>
-                  <a:lnTo>
-                    <a:pt x="0" y="255891"/>
-                  </a:lnTo>
-                  <a:lnTo>
-                    <a:pt x="0" y="341188"/>
-                  </a:lnTo>
-                  <a:lnTo>
-                    <a:pt x="0" y="426485"/>
-                  </a:lnTo>
-                  <a:lnTo>
-                    <a:pt x="0" y="511782"/>
-                  </a:lnTo>
-                  <a:lnTo>
-                    <a:pt x="0" y="597079"/>
-                  </a:lnTo>
-                  <a:lnTo>
-                    <a:pt x="0" y="682376"/>
-                  </a:lnTo>
-                  <a:lnTo>
-                    <a:pt x="0" y="767673"/>
-                  </a:lnTo>
-                  <a:lnTo>
-                    <a:pt x="0" y="852970"/>
-                  </a:lnTo>
-                  <a:lnTo>
-                    <a:pt x="0" y="938267"/>
-                  </a:lnTo>
-                  <a:lnTo>
-                    <a:pt x="0" y="1023564"/>
-                  </a:lnTo>
-                  <a:lnTo>
-                    <a:pt x="0" y="1108861"/>
-                  </a:lnTo>
-                  <a:lnTo>
-                    <a:pt x="0" y="1194158"/>
-                  </a:lnTo>
-                  <a:lnTo>
-                    <a:pt x="0" y="1279455"/>
-                  </a:lnTo>
-                  <a:lnTo>
-                    <a:pt x="0" y="1364752"/>
-                  </a:lnTo>
-                  <a:lnTo>
-                    <a:pt x="0" y="1450049"/>
-                  </a:lnTo>
-                  <a:lnTo>
-                    <a:pt x="0" y="1535346"/>
-                  </a:lnTo>
-                  <a:lnTo>
-                    <a:pt x="0" y="1620643"/>
-                  </a:lnTo>
-                  <a:lnTo>
-                    <a:pt x="0" y="1705940"/>
-                  </a:lnTo>
-                  <a:lnTo>
-                    <a:pt x="0" y="1791237"/>
-                  </a:lnTo>
-                  <a:lnTo>
-                    <a:pt x="0" y="1876534"/>
-                  </a:lnTo>
-                  <a:lnTo>
-                    <a:pt x="0" y="1961831"/>
-                  </a:lnTo>
-                  <a:lnTo>
-                    <a:pt x="0" y="2047128"/>
-                  </a:lnTo>
-                  <a:lnTo>
-                    <a:pt x="0" y="2132425"/>
-                  </a:lnTo>
-                  <a:lnTo>
-                    <a:pt x="0" y="2217722"/>
-                  </a:lnTo>
-                  <a:lnTo>
-                    <a:pt x="0" y="2303019"/>
-                  </a:lnTo>
-                  <a:lnTo>
-                    <a:pt x="0" y="2388316"/>
-                  </a:lnTo>
-                  <a:close/>
-                </a:path>
-              </a:pathLst>
-            </a:custGeom>
-            <a:solidFill>
-              <a:srgbClr val="CE8964">
-                <a:alpha val="100000"/>
-              </a:srgbClr>
-            </a:solidFill>
-            <a:ln w="13550" cap="flat">
-              <a:solidFill>
-                <a:srgbClr val="000000">
-                  <a:alpha val="100000"/>
-                </a:srgbClr>
-              </a:solidFill>
-              <a:prstDash val="solid"/>
-              <a:miter/>
-            </a:ln>
-          </p:spPr>
-          <p:txBody>
-            <a:bodyPr/>
-            <a:lstStyle/>
-            <a:p/>
-          </p:txBody>
-        </p:sp>
-        <p:sp>
-          <p:nvSpPr>
-            <p:cNvPr id="6" name="pg5"/>
-            <p:cNvSpPr/>
-            <p:nvPr/>
-          </p:nvSpPr>
-          <p:spPr>
-            <a:xfrm>
-              <a:off x="5486400" y="1759248"/>
-              <a:ext cx="2045262" cy="2463934"/>
-            </a:xfrm>
-            <a:custGeom>
-              <a:avLst/>
-              <a:pathLst>
-                <a:path w="2045262" h="2463934">
-                  <a:moveTo>
-                    <a:pt x="0" y="2463934"/>
-                  </a:moveTo>
-                  <a:lnTo>
-                    <a:pt x="70526" y="2415958"/>
-                  </a:lnTo>
-                  <a:lnTo>
-                    <a:pt x="141052" y="2367983"/>
-                  </a:lnTo>
-                  <a:lnTo>
-                    <a:pt x="211578" y="2320008"/>
-                  </a:lnTo>
-                  <a:lnTo>
-                    <a:pt x="282105" y="2272033"/>
-                  </a:lnTo>
-                  <a:lnTo>
-                    <a:pt x="352631" y="2224057"/>
-                  </a:lnTo>
-                  <a:lnTo>
-                    <a:pt x="423157" y="2176082"/>
-                  </a:lnTo>
-                  <a:lnTo>
-                    <a:pt x="493684" y="2128107"/>
-                  </a:lnTo>
-                  <a:lnTo>
-                    <a:pt x="564210" y="2080132"/>
-                  </a:lnTo>
-                  <a:lnTo>
-                    <a:pt x="634736" y="2032156"/>
-                  </a:lnTo>
-                  <a:lnTo>
-                    <a:pt x="705262" y="1984181"/>
-                  </a:lnTo>
-                  <a:lnTo>
-                    <a:pt x="775789" y="1936206"/>
-                  </a:lnTo>
-                  <a:lnTo>
-                    <a:pt x="846315" y="1888231"/>
-                  </a:lnTo>
-                  <a:lnTo>
-                    <a:pt x="916841" y="1840255"/>
-                  </a:lnTo>
-                  <a:lnTo>
-                    <a:pt x="987368" y="1792280"/>
-                  </a:lnTo>
-                  <a:lnTo>
-                    <a:pt x="1057894" y="1744305"/>
-                  </a:lnTo>
-                  <a:lnTo>
-                    <a:pt x="1128420" y="1696330"/>
-                  </a:lnTo>
-                  <a:lnTo>
-                    <a:pt x="1198947" y="1648354"/>
-                  </a:lnTo>
-                  <a:lnTo>
-                    <a:pt x="1269473" y="1600379"/>
-                  </a:lnTo>
-                  <a:lnTo>
-                    <a:pt x="1339999" y="1552404"/>
-                  </a:lnTo>
-                  <a:lnTo>
-                    <a:pt x="1410525" y="1504429"/>
-                  </a:lnTo>
-                  <a:lnTo>
-                    <a:pt x="1481052" y="1456453"/>
-                  </a:lnTo>
-                  <a:lnTo>
-                    <a:pt x="1551578" y="1408478"/>
-                  </a:lnTo>
-                  <a:lnTo>
-                    <a:pt x="1622104" y="1360503"/>
-                  </a:lnTo>
-                  <a:lnTo>
-                    <a:pt x="1692631" y="1312528"/>
-                  </a:lnTo>
-                  <a:lnTo>
-                    <a:pt x="1763157" y="1264552"/>
-                  </a:lnTo>
-                  <a:lnTo>
-                    <a:pt x="1833683" y="1216577"/>
-                  </a:lnTo>
-                  <a:lnTo>
-                    <a:pt x="1904210" y="1168602"/>
-                  </a:lnTo>
-                  <a:lnTo>
-                    <a:pt x="1974736" y="1120627"/>
-                  </a:lnTo>
-                  <a:lnTo>
-                    <a:pt x="2045262" y="1072651"/>
-                  </a:lnTo>
-                  <a:lnTo>
-                    <a:pt x="1996732" y="1003857"/>
-                  </a:lnTo>
-                  <a:lnTo>
-                    <a:pt x="1945889" y="936753"/>
-                  </a:lnTo>
-                  <a:lnTo>
-                    <a:pt x="1892791" y="871419"/>
-                  </a:lnTo>
-                  <a:lnTo>
-                    <a:pt x="1837502" y="807929"/>
-                  </a:lnTo>
-                  <a:lnTo>
-                    <a:pt x="1780083" y="746357"/>
-                  </a:lnTo>
-                  <a:lnTo>
-                    <a:pt x="1720603" y="686776"/>
-                  </a:lnTo>
-                  <a:lnTo>
-                    <a:pt x="1659129" y="629253"/>
-                  </a:lnTo>
-                  <a:lnTo>
-                    <a:pt x="1595734" y="573855"/>
-                  </a:lnTo>
-                  <a:lnTo>
-                    <a:pt x="1530490" y="520646"/>
-                  </a:lnTo>
-                  <a:lnTo>
-                    <a:pt x="1463473" y="469689"/>
-                  </a:lnTo>
-                  <a:lnTo>
-                    <a:pt x="1394761" y="421042"/>
-                  </a:lnTo>
-                  <a:lnTo>
-                    <a:pt x="1324433" y="374761"/>
-                  </a:lnTo>
-                  <a:lnTo>
-                    <a:pt x="1252571" y="330900"/>
-                  </a:lnTo>
-                  <a:lnTo>
-                    <a:pt x="1179258" y="289511"/>
-                  </a:lnTo>
-                  <a:lnTo>
-                    <a:pt x="1104579" y="250640"/>
-                  </a:lnTo>
-                  <a:lnTo>
-                    <a:pt x="1028620" y="214333"/>
-                  </a:lnTo>
-                  <a:lnTo>
-                    <a:pt x="951470" y="180631"/>
-                  </a:lnTo>
-                  <a:lnTo>
-                    <a:pt x="873218" y="149575"/>
-                  </a:lnTo>
-                  <a:lnTo>
-                    <a:pt x="793954" y="121200"/>
-                  </a:lnTo>
-                  <a:lnTo>
-                    <a:pt x="713770" y="95538"/>
-                  </a:lnTo>
-                  <a:lnTo>
-                    <a:pt x="632760" y="72620"/>
-                  </a:lnTo>
-                  <a:lnTo>
-                    <a:pt x="551017" y="52472"/>
-                  </a:lnTo>
-                  <a:lnTo>
-                    <a:pt x="468635" y="35118"/>
-                  </a:lnTo>
-                  <a:lnTo>
-                    <a:pt x="385711" y="20577"/>
-                  </a:lnTo>
-                  <a:lnTo>
-                    <a:pt x="302339" y="8866"/>
-                  </a:lnTo>
-                  <a:lnTo>
-                    <a:pt x="218618" y="0"/>
-                  </a:lnTo>
-                  <a:lnTo>
-                    <a:pt x="211079" y="84963"/>
-                  </a:lnTo>
-                  <a:lnTo>
-                    <a:pt x="203541" y="169926"/>
-                  </a:lnTo>
-                  <a:lnTo>
-                    <a:pt x="196002" y="254889"/>
-                  </a:lnTo>
-                  <a:lnTo>
-                    <a:pt x="188464" y="339852"/>
-                  </a:lnTo>
-                  <a:lnTo>
-                    <a:pt x="180925" y="424816"/>
-                  </a:lnTo>
-                  <a:lnTo>
-                    <a:pt x="173386" y="509779"/>
-                  </a:lnTo>
-                  <a:lnTo>
-                    <a:pt x="165848" y="594742"/>
-                  </a:lnTo>
-                  <a:lnTo>
-                    <a:pt x="158309" y="679705"/>
-                  </a:lnTo>
-                  <a:lnTo>
-                    <a:pt x="150771" y="764669"/>
-                  </a:lnTo>
-                  <a:lnTo>
-                    <a:pt x="143232" y="849632"/>
-                  </a:lnTo>
-                  <a:lnTo>
-                    <a:pt x="135694" y="934595"/>
-                  </a:lnTo>
-                  <a:lnTo>
-                    <a:pt x="128155" y="1019558"/>
-                  </a:lnTo>
-                  <a:lnTo>
-                    <a:pt x="120616" y="1104522"/>
-                  </a:lnTo>
-                  <a:lnTo>
-                    <a:pt x="113078" y="1189485"/>
-                  </a:lnTo>
-                  <a:lnTo>
-                    <a:pt x="105539" y="1274448"/>
-                  </a:lnTo>
-                  <a:lnTo>
-                    <a:pt x="98001" y="1359411"/>
-                  </a:lnTo>
-                  <a:lnTo>
-                    <a:pt x="90462" y="1444375"/>
-                  </a:lnTo>
-                  <a:lnTo>
-                    <a:pt x="82924" y="1529338"/>
-                  </a:lnTo>
-                  <a:lnTo>
-                    <a:pt x="75385" y="1614301"/>
-                  </a:lnTo>
-                  <a:lnTo>
-                    <a:pt x="67847" y="1699264"/>
-                  </a:lnTo>
-                  <a:lnTo>
-                    <a:pt x="60308" y="1784228"/>
-                  </a:lnTo>
-                  <a:lnTo>
-                    <a:pt x="52769" y="1869191"/>
-                  </a:lnTo>
-                  <a:lnTo>
-                    <a:pt x="45231" y="1954154"/>
-                  </a:lnTo>
-                  <a:lnTo>
-                    <a:pt x="37692" y="2039117"/>
-                  </a:lnTo>
-                  <a:lnTo>
-                    <a:pt x="30154" y="2124081"/>
-                  </a:lnTo>
-                  <a:lnTo>
-                    <a:pt x="22615" y="2209044"/>
-                  </a:lnTo>
-                  <a:lnTo>
-                    <a:pt x="15077" y="2294007"/>
-                  </a:lnTo>
-                  <a:lnTo>
-                    <a:pt x="7538" y="2378970"/>
-                  </a:lnTo>
-                  <a:close/>
-                </a:path>
-              </a:pathLst>
-            </a:custGeom>
-            <a:solidFill>
-              <a:srgbClr val="9CC5A1">
-                <a:alpha val="100000"/>
-              </a:srgbClr>
-            </a:solidFill>
-            <a:ln w="13550" cap="flat">
-              <a:solidFill>
-                <a:srgbClr val="000000">
-                  <a:alpha val="100000"/>
-                </a:srgbClr>
-              </a:solidFill>
-              <a:prstDash val="solid"/>
-              <a:miter/>
-            </a:ln>
-          </p:spPr>
-          <p:txBody>
-            <a:bodyPr/>
-            <a:lstStyle/>
-            <a:p/>
-          </p:txBody>
-        </p:sp>
-        <p:sp>
-          <p:nvSpPr>
-            <p:cNvPr id="7" name="pg6"/>
-            <p:cNvSpPr/>
-            <p:nvPr/>
-          </p:nvSpPr>
-          <p:spPr>
-            <a:xfrm>
-              <a:off x="3012897" y="1759248"/>
-              <a:ext cx="4946909" cy="4937544"/>
-            </a:xfrm>
-            <a:custGeom>
-              <a:avLst/>
-              <a:pathLst>
-                <a:path w="4946909" h="4937544">
-                  <a:moveTo>
-                    <a:pt x="2473502" y="2463934"/>
-                  </a:moveTo>
-                  <a:lnTo>
-                    <a:pt x="2465964" y="2378970"/>
-                  </a:lnTo>
-                  <a:lnTo>
-                    <a:pt x="2458425" y="2294007"/>
-                  </a:lnTo>
-                  <a:lnTo>
-                    <a:pt x="2450887" y="2209044"/>
-                  </a:lnTo>
-                  <a:lnTo>
-                    <a:pt x="2443348" y="2124081"/>
-                  </a:lnTo>
-                  <a:lnTo>
-                    <a:pt x="2435809" y="2039117"/>
-                  </a:lnTo>
-                  <a:lnTo>
-                    <a:pt x="2428271" y="1954154"/>
-                  </a:lnTo>
-                  <a:lnTo>
-                    <a:pt x="2420732" y="1869191"/>
-                  </a:lnTo>
-                  <a:lnTo>
-                    <a:pt x="2413194" y="1784228"/>
-                  </a:lnTo>
-                  <a:lnTo>
-                    <a:pt x="2405655" y="1699264"/>
-                  </a:lnTo>
-                  <a:lnTo>
-                    <a:pt x="2398117" y="1614301"/>
-                  </a:lnTo>
-                  <a:lnTo>
-                    <a:pt x="2390578" y="1529338"/>
-                  </a:lnTo>
-                  <a:lnTo>
-                    <a:pt x="2383040" y="1444375"/>
-                  </a:lnTo>
-                  <a:lnTo>
-                    <a:pt x="2375501" y="1359411"/>
-                  </a:lnTo>
-                  <a:lnTo>
-                    <a:pt x="2367962" y="1274448"/>
-                  </a:lnTo>
-                  <a:lnTo>
-                    <a:pt x="2360424" y="1189485"/>
-                  </a:lnTo>
-                  <a:lnTo>
-                    <a:pt x="2352885" y="1104522"/>
-                  </a:lnTo>
-                  <a:lnTo>
-                    <a:pt x="2345347" y="1019558"/>
-                  </a:lnTo>
-                  <a:lnTo>
-                    <a:pt x="2337808" y="934595"/>
-                  </a:lnTo>
-                  <a:lnTo>
-                    <a:pt x="2330270" y="849632"/>
-                  </a:lnTo>
-                  <a:lnTo>
-                    <a:pt x="2322731" y="764669"/>
-                  </a:lnTo>
-                  <a:lnTo>
-                    <a:pt x="2315192" y="679705"/>
-                  </a:lnTo>
-                  <a:lnTo>
-                    <a:pt x="2307654" y="594742"/>
-                  </a:lnTo>
-                  <a:lnTo>
-                    <a:pt x="2300115" y="509779"/>
-                  </a:lnTo>
-                  <a:lnTo>
-                    <a:pt x="2292577" y="424816"/>
-                  </a:lnTo>
-                  <a:lnTo>
-                    <a:pt x="2285038" y="339852"/>
-                  </a:lnTo>
-                  <a:lnTo>
-                    <a:pt x="2277500" y="254889"/>
-                  </a:lnTo>
-                  <a:lnTo>
-                    <a:pt x="2269961" y="169926"/>
-                  </a:lnTo>
-                  <a:lnTo>
-                    <a:pt x="2262423" y="84963"/>
-                  </a:lnTo>
-                  <a:lnTo>
-                    <a:pt x="2254884" y="0"/>
-                  </a:lnTo>
-                  <a:lnTo>
-                    <a:pt x="2171488" y="8826"/>
-                  </a:lnTo>
-                  <a:lnTo>
-                    <a:pt x="2088439" y="20475"/>
-                  </a:lnTo>
-                  <a:lnTo>
-                    <a:pt x="2005833" y="34932"/>
-                  </a:lnTo>
-                  <a:lnTo>
-                    <a:pt x="1923764" y="52180"/>
-                  </a:lnTo>
-                  <a:lnTo>
-                    <a:pt x="1842327" y="72201"/>
-                  </a:lnTo>
-                  <a:lnTo>
-                    <a:pt x="1761616" y="94971"/>
-                  </a:lnTo>
-                  <a:lnTo>
-                    <a:pt x="1681723" y="120464"/>
-                  </a:lnTo>
-                  <a:lnTo>
-                    <a:pt x="1602740" y="148650"/>
-                  </a:lnTo>
-                  <a:lnTo>
-                    <a:pt x="1524758" y="179497"/>
-                  </a:lnTo>
-                  <a:lnTo>
-                    <a:pt x="1447866" y="212970"/>
-                  </a:lnTo>
-                  <a:lnTo>
-                    <a:pt x="1372153" y="249031"/>
-                  </a:lnTo>
-                  <a:lnTo>
-                    <a:pt x="1297706" y="287637"/>
-                  </a:lnTo>
-                  <a:lnTo>
-                    <a:pt x="1224610" y="328744"/>
-                  </a:lnTo>
-                  <a:lnTo>
-                    <a:pt x="1152950" y="372306"/>
-                  </a:lnTo>
-                  <a:lnTo>
-                    <a:pt x="1082808" y="418271"/>
-                  </a:lnTo>
-                  <a:lnTo>
-                    <a:pt x="1014264" y="466588"/>
-                  </a:lnTo>
-                  <a:lnTo>
-                    <a:pt x="947397" y="517201"/>
-                  </a:lnTo>
-                  <a:lnTo>
-                    <a:pt x="882284" y="570051"/>
-                  </a:lnTo>
-                  <a:lnTo>
-                    <a:pt x="819001" y="625078"/>
-                  </a:lnTo>
-                  <a:lnTo>
-                    <a:pt x="757619" y="682219"/>
-                  </a:lnTo>
-                  <a:lnTo>
-                    <a:pt x="698209" y="741407"/>
-                  </a:lnTo>
-                  <a:lnTo>
-                    <a:pt x="640839" y="802575"/>
-                  </a:lnTo>
-                  <a:lnTo>
-                    <a:pt x="585576" y="865653"/>
-                  </a:lnTo>
-                  <a:lnTo>
-                    <a:pt x="532483" y="930568"/>
-                  </a:lnTo>
-                  <a:lnTo>
-                    <a:pt x="481621" y="997245"/>
-                  </a:lnTo>
-                  <a:lnTo>
-                    <a:pt x="433049" y="1065608"/>
-                  </a:lnTo>
-                  <a:lnTo>
-                    <a:pt x="386821" y="1135578"/>
-                  </a:lnTo>
-                  <a:lnTo>
-                    <a:pt x="342992" y="1207075"/>
-                  </a:lnTo>
-                  <a:lnTo>
-                    <a:pt x="301612" y="1280017"/>
-                  </a:lnTo>
-                  <a:lnTo>
-                    <a:pt x="262728" y="1354319"/>
-                  </a:lnTo>
-                  <a:lnTo>
-                    <a:pt x="226386" y="1429897"/>
-                  </a:lnTo>
-                  <a:lnTo>
-                    <a:pt x="192626" y="1506663"/>
-                  </a:lnTo>
-                  <a:lnTo>
-                    <a:pt x="161487" y="1584529"/>
-                  </a:lnTo>
-                  <a:lnTo>
-                    <a:pt x="133006" y="1663407"/>
-                  </a:lnTo>
-                  <a:lnTo>
-                    <a:pt x="107215" y="1743204"/>
-                  </a:lnTo>
-                  <a:lnTo>
-                    <a:pt x="84144" y="1823830"/>
-                  </a:lnTo>
-                  <a:lnTo>
-                    <a:pt x="63819" y="1905191"/>
-                  </a:lnTo>
-                  <a:lnTo>
-                    <a:pt x="46264" y="1987195"/>
-                  </a:lnTo>
-                  <a:lnTo>
-                    <a:pt x="31498" y="2069747"/>
-                  </a:lnTo>
-                  <a:lnTo>
-                    <a:pt x="19540" y="2152751"/>
-                  </a:lnTo>
-                  <a:lnTo>
-                    <a:pt x="10402" y="2236114"/>
-                  </a:lnTo>
-                  <a:lnTo>
-                    <a:pt x="4095" y="2319738"/>
-                  </a:lnTo>
-                  <a:lnTo>
-                    <a:pt x="626" y="2403528"/>
-                  </a:lnTo>
-                  <a:lnTo>
-                    <a:pt x="0" y="2487387"/>
-                  </a:lnTo>
-                  <a:lnTo>
-                    <a:pt x="2216" y="2571220"/>
-                  </a:lnTo>
-                  <a:lnTo>
-                    <a:pt x="7273" y="2654929"/>
-                  </a:lnTo>
-                  <a:lnTo>
-                    <a:pt x="15165" y="2738419"/>
-                  </a:lnTo>
-                  <a:lnTo>
-                    <a:pt x="25882" y="2821593"/>
-                  </a:lnTo>
-                  <a:lnTo>
-                    <a:pt x="39412" y="2904356"/>
-                  </a:lnTo>
-                  <a:lnTo>
-                    <a:pt x="55740" y="2986613"/>
-                  </a:lnTo>
-                  <a:lnTo>
-                    <a:pt x="74847" y="3068269"/>
-                  </a:lnTo>
-                  <a:lnTo>
-                    <a:pt x="96711" y="3149230"/>
-                  </a:lnTo>
-                  <a:lnTo>
-                    <a:pt x="121307" y="3229404"/>
-                  </a:lnTo>
-                  <a:lnTo>
-                    <a:pt x="148607" y="3308698"/>
-                  </a:lnTo>
-                  <a:lnTo>
-                    <a:pt x="178578" y="3387021"/>
-                  </a:lnTo>
-                  <a:lnTo>
-                    <a:pt x="211188" y="3464283"/>
-                  </a:lnTo>
-                  <a:lnTo>
-                    <a:pt x="246397" y="3540395"/>
-                  </a:lnTo>
-                  <a:lnTo>
-                    <a:pt x="284167" y="3615270"/>
-                  </a:lnTo>
-                  <a:lnTo>
-                    <a:pt x="324452" y="3688822"/>
-                  </a:lnTo>
-                  <a:lnTo>
-                    <a:pt x="367208" y="3760966"/>
-                  </a:lnTo>
-                  <a:lnTo>
-                    <a:pt x="412385" y="3831619"/>
-                  </a:lnTo>
-                  <a:lnTo>
-                    <a:pt x="459931" y="3900700"/>
-                  </a:lnTo>
-                  <a:lnTo>
-                    <a:pt x="509791" y="3968129"/>
-                  </a:lnTo>
-                  <a:lnTo>
-                    <a:pt x="561908" y="4033830"/>
-                  </a:lnTo>
-                  <a:lnTo>
-                    <a:pt x="616223" y="4097726"/>
-                  </a:lnTo>
-                  <a:lnTo>
-                    <a:pt x="672672" y="4159745"/>
-                  </a:lnTo>
-                  <a:lnTo>
-                    <a:pt x="731191" y="4219814"/>
-                  </a:lnTo>
-                  <a:lnTo>
-                    <a:pt x="791712" y="4277865"/>
-                  </a:lnTo>
-                  <a:lnTo>
-                    <a:pt x="854167" y="4333832"/>
-                  </a:lnTo>
-                  <a:lnTo>
-                    <a:pt x="918483" y="4387649"/>
-                  </a:lnTo>
-                  <a:lnTo>
-                    <a:pt x="984586" y="4439255"/>
-                  </a:lnTo>
-                  <a:lnTo>
-                    <a:pt x="1052400" y="4488590"/>
-                  </a:lnTo>
-                  <a:lnTo>
-                    <a:pt x="1121848" y="4535599"/>
-                  </a:lnTo>
-                  <a:lnTo>
-                    <a:pt x="1192849" y="4580226"/>
-                  </a:lnTo>
-                  <a:lnTo>
-                    <a:pt x="1265323" y="4622421"/>
-                  </a:lnTo>
-                  <a:lnTo>
-                    <a:pt x="1339185" y="4662135"/>
-                  </a:lnTo>
-                  <a:lnTo>
-                    <a:pt x="1414350" y="4699323"/>
-                  </a:lnTo>
-                  <a:lnTo>
-                    <a:pt x="1490733" y="4733941"/>
-                  </a:lnTo>
-                  <a:lnTo>
-                    <a:pt x="1568246" y="4765950"/>
-                  </a:lnTo>
-                  <a:lnTo>
-                    <a:pt x="1646799" y="4795313"/>
-                  </a:lnTo>
-                  <a:lnTo>
-                    <a:pt x="1726303" y="4821996"/>
-                  </a:lnTo>
-                  <a:lnTo>
-                    <a:pt x="1806665" y="4845969"/>
-                  </a:lnTo>
-                  <a:lnTo>
-                    <a:pt x="1887793" y="4867205"/>
-                  </a:lnTo>
-                  <a:lnTo>
-                    <a:pt x="1969595" y="4885678"/>
-                  </a:lnTo>
-                  <a:lnTo>
-                    <a:pt x="2051976" y="4901367"/>
-                  </a:lnTo>
-                  <a:lnTo>
-                    <a:pt x="2134842" y="4914255"/>
-                  </a:lnTo>
-                  <a:lnTo>
-                    <a:pt x="2218097" y="4924327"/>
-                  </a:lnTo>
-                  <a:lnTo>
-                    <a:pt x="2301645" y="4931570"/>
-                  </a:lnTo>
-                  <a:lnTo>
-                    <a:pt x="2385391" y="4935978"/>
-                  </a:lnTo>
-                  <a:lnTo>
-                    <a:pt x="2469238" y="4937544"/>
-                  </a:lnTo>
-                  <a:lnTo>
-                    <a:pt x="2553090" y="4936267"/>
-                  </a:lnTo>
-                  <a:lnTo>
-                    <a:pt x="2636850" y="4932148"/>
-                  </a:lnTo>
-                  <a:lnTo>
-                    <a:pt x="2720423" y="4925193"/>
-                  </a:lnTo>
-                  <a:lnTo>
-                    <a:pt x="2803712" y="4915408"/>
-                  </a:lnTo>
-                  <a:lnTo>
-                    <a:pt x="2886622" y="4902806"/>
-                  </a:lnTo>
-                  <a:lnTo>
-                    <a:pt x="2969056" y="4887401"/>
-                  </a:lnTo>
-                  <a:lnTo>
-                    <a:pt x="3050921" y="4869210"/>
-                  </a:lnTo>
-                  <a:lnTo>
-                    <a:pt x="3132123" y="4848254"/>
-                  </a:lnTo>
-                  <a:lnTo>
-                    <a:pt x="3212567" y="4824558"/>
-                  </a:lnTo>
-                  <a:lnTo>
-                    <a:pt x="3292162" y="4798149"/>
-                  </a:lnTo>
-                  <a:lnTo>
-                    <a:pt x="3370816" y="4769057"/>
-                  </a:lnTo>
-                  <a:lnTo>
-                    <a:pt x="3448439" y="4737316"/>
-                  </a:lnTo>
-                  <a:lnTo>
-                    <a:pt x="3524941" y="4702961"/>
-                  </a:lnTo>
-                  <a:lnTo>
-                    <a:pt x="3600234" y="4666033"/>
-                  </a:lnTo>
-                  <a:lnTo>
-                    <a:pt x="3674233" y="4626574"/>
-                  </a:lnTo>
-                  <a:lnTo>
-                    <a:pt x="3746851" y="4584629"/>
-                  </a:lnTo>
-                  <a:lnTo>
-                    <a:pt x="3818006" y="4540247"/>
-                  </a:lnTo>
-                  <a:lnTo>
-                    <a:pt x="3887615" y="4493478"/>
-                  </a:lnTo>
-                  <a:lnTo>
-                    <a:pt x="3955599" y="4444377"/>
-                  </a:lnTo>
-                  <a:lnTo>
-                    <a:pt x="4021880" y="4392999"/>
-                  </a:lnTo>
-                  <a:lnTo>
-                    <a:pt x="4086381" y="4339404"/>
-                  </a:lnTo>
-                  <a:lnTo>
-                    <a:pt x="4149028" y="4283653"/>
-                  </a:lnTo>
-                  <a:lnTo>
-                    <a:pt x="4209749" y="4225811"/>
-                  </a:lnTo>
-                  <a:lnTo>
-                    <a:pt x="4268475" y="4165944"/>
-                  </a:lnTo>
-                  <a:lnTo>
-                    <a:pt x="4325138" y="4104120"/>
-                  </a:lnTo>
-                  <a:lnTo>
-                    <a:pt x="4379672" y="4040412"/>
-                  </a:lnTo>
-                  <a:lnTo>
-                    <a:pt x="4432015" y="3974891"/>
-                  </a:lnTo>
-                  <a:lnTo>
-                    <a:pt x="4482108" y="3907634"/>
-                  </a:lnTo>
-                  <a:lnTo>
-                    <a:pt x="4529891" y="3838717"/>
-                  </a:lnTo>
-                  <a:lnTo>
-                    <a:pt x="4575312" y="3768220"/>
-                  </a:lnTo>
-                  <a:lnTo>
-                    <a:pt x="4618316" y="3696224"/>
-                  </a:lnTo>
-                  <a:lnTo>
-                    <a:pt x="4658855" y="3622812"/>
-                  </a:lnTo>
-                  <a:lnTo>
-                    <a:pt x="4696882" y="3548068"/>
-                  </a:lnTo>
-                  <a:lnTo>
-                    <a:pt x="4732354" y="3472077"/>
-                  </a:lnTo>
-                  <a:lnTo>
-                    <a:pt x="4765230" y="3394928"/>
-                  </a:lnTo>
-                  <a:lnTo>
-                    <a:pt x="4795471" y="3316709"/>
-                  </a:lnTo>
-                  <a:lnTo>
-                    <a:pt x="4823044" y="3237509"/>
-                  </a:lnTo>
-                  <a:lnTo>
-                    <a:pt x="4847916" y="3157421"/>
-                  </a:lnTo>
-                  <a:lnTo>
-                    <a:pt x="4870059" y="3076535"/>
-                  </a:lnTo>
-                  <a:lnTo>
-                    <a:pt x="4889448" y="2994946"/>
-                  </a:lnTo>
-                  <a:lnTo>
-                    <a:pt x="4906059" y="2912746"/>
-                  </a:lnTo>
-                  <a:lnTo>
-                    <a:pt x="4919875" y="2830030"/>
-                  </a:lnTo>
-                  <a:lnTo>
-                    <a:pt x="4930879" y="2746893"/>
-                  </a:lnTo>
-                  <a:lnTo>
-                    <a:pt x="4939058" y="2663431"/>
-                  </a:lnTo>
-                  <a:lnTo>
-                    <a:pt x="4944404" y="2579740"/>
-                  </a:lnTo>
-                  <a:lnTo>
-                    <a:pt x="4946909" y="2495916"/>
-                  </a:lnTo>
-                  <a:lnTo>
-                    <a:pt x="4946572" y="2412054"/>
-                  </a:lnTo>
-                  <a:lnTo>
-                    <a:pt x="4943392" y="2328253"/>
-                  </a:lnTo>
-                  <a:lnTo>
-                    <a:pt x="4937374" y="2244608"/>
-                  </a:lnTo>
-                  <a:lnTo>
-                    <a:pt x="4928523" y="2161214"/>
-                  </a:lnTo>
-                  <a:lnTo>
-                    <a:pt x="4916851" y="2078169"/>
-                  </a:lnTo>
-                  <a:lnTo>
-                    <a:pt x="4902370" y="1995567"/>
-                  </a:lnTo>
-                  <a:lnTo>
-                    <a:pt x="4885098" y="1913503"/>
-                  </a:lnTo>
-                  <a:lnTo>
-                    <a:pt x="4865053" y="1832072"/>
-                  </a:lnTo>
-                  <a:lnTo>
-                    <a:pt x="4842260" y="1751367"/>
-                  </a:lnTo>
-                  <a:lnTo>
-                    <a:pt x="4816745" y="1671481"/>
-                  </a:lnTo>
-                  <a:lnTo>
-                    <a:pt x="4788536" y="1592506"/>
-                  </a:lnTo>
-                  <a:lnTo>
-                    <a:pt x="4757666" y="1514533"/>
-                  </a:lnTo>
-                  <a:lnTo>
-                    <a:pt x="4724171" y="1437651"/>
-                  </a:lnTo>
-                  <a:lnTo>
-                    <a:pt x="4688089" y="1361948"/>
-                  </a:lnTo>
-                  <a:lnTo>
-                    <a:pt x="4649461" y="1287512"/>
-                  </a:lnTo>
-                  <a:lnTo>
-                    <a:pt x="4608333" y="1214428"/>
-                  </a:lnTo>
-                  <a:lnTo>
-                    <a:pt x="4564751" y="1142781"/>
-                  </a:lnTo>
-                  <a:lnTo>
-                    <a:pt x="4518765" y="1072651"/>
-                  </a:lnTo>
-                  <a:lnTo>
-                    <a:pt x="4448239" y="1120627"/>
-                  </a:lnTo>
-                  <a:lnTo>
-                    <a:pt x="4377712" y="1168602"/>
-                  </a:lnTo>
-                  <a:lnTo>
-                    <a:pt x="4307186" y="1216577"/>
-                  </a:lnTo>
-                  <a:lnTo>
-                    <a:pt x="4236660" y="1264552"/>
-                  </a:lnTo>
-                  <a:lnTo>
-                    <a:pt x="4166133" y="1312528"/>
-                  </a:lnTo>
-                  <a:lnTo>
-                    <a:pt x="4095607" y="1360503"/>
-                  </a:lnTo>
-                  <a:lnTo>
-                    <a:pt x="4025081" y="1408478"/>
-                  </a:lnTo>
-                  <a:lnTo>
-                    <a:pt x="3954554" y="1456453"/>
-                  </a:lnTo>
-                  <a:lnTo>
-                    <a:pt x="3884028" y="1504429"/>
-                  </a:lnTo>
-                  <a:lnTo>
-                    <a:pt x="3813502" y="1552404"/>
-                  </a:lnTo>
-                  <a:lnTo>
-                    <a:pt x="3742976" y="1600379"/>
-                  </a:lnTo>
-                  <a:lnTo>
-                    <a:pt x="3672449" y="1648354"/>
-                  </a:lnTo>
-                  <a:lnTo>
-                    <a:pt x="3601923" y="1696330"/>
-                  </a:lnTo>
-                  <a:lnTo>
-                    <a:pt x="3531397" y="1744305"/>
-                  </a:lnTo>
-                  <a:lnTo>
-                    <a:pt x="3460870" y="1792280"/>
-                  </a:lnTo>
-                  <a:lnTo>
-                    <a:pt x="3390344" y="1840255"/>
-                  </a:lnTo>
-                  <a:lnTo>
-                    <a:pt x="3319818" y="1888231"/>
-                  </a:lnTo>
-                  <a:lnTo>
-                    <a:pt x="3249292" y="1936206"/>
-                  </a:lnTo>
-                  <a:lnTo>
-                    <a:pt x="3178765" y="1984181"/>
-                  </a:lnTo>
-                  <a:lnTo>
-                    <a:pt x="3108239" y="2032156"/>
-                  </a:lnTo>
-                  <a:lnTo>
-                    <a:pt x="3037713" y="2080132"/>
-                  </a:lnTo>
-                  <a:lnTo>
-                    <a:pt x="2967186" y="2128107"/>
-                  </a:lnTo>
-                  <a:lnTo>
-                    <a:pt x="2896660" y="2176082"/>
-                  </a:lnTo>
-                  <a:lnTo>
-                    <a:pt x="2826134" y="2224057"/>
-                  </a:lnTo>
-                  <a:lnTo>
-                    <a:pt x="2755607" y="2272033"/>
-                  </a:lnTo>
-                  <a:lnTo>
-                    <a:pt x="2685081" y="2320008"/>
-                  </a:lnTo>
-                  <a:lnTo>
-                    <a:pt x="2614555" y="2367983"/>
-                  </a:lnTo>
-                  <a:lnTo>
-                    <a:pt x="2544029" y="2415958"/>
+                    <a:pt x="2473524" y="2388316"/>
+                  </a:lnTo>
+                  <a:lnTo>
+                    <a:pt x="2473524" y="2303019"/>
+                  </a:lnTo>
+                  <a:lnTo>
+                    <a:pt x="2473524" y="2217722"/>
+                  </a:lnTo>
+                  <a:lnTo>
+                    <a:pt x="2473524" y="2132425"/>
+                  </a:lnTo>
+                  <a:lnTo>
+                    <a:pt x="2473524" y="2047128"/>
+                  </a:lnTo>
+                  <a:lnTo>
+                    <a:pt x="2473524" y="1961831"/>
+                  </a:lnTo>
+                  <a:lnTo>
+                    <a:pt x="2473524" y="1876534"/>
+                  </a:lnTo>
+                  <a:lnTo>
+                    <a:pt x="2473524" y="1791237"/>
+                  </a:lnTo>
+                  <a:lnTo>
+                    <a:pt x="2473524" y="1705940"/>
+                  </a:lnTo>
+                  <a:lnTo>
+                    <a:pt x="2473524" y="1620643"/>
+                  </a:lnTo>
+                  <a:lnTo>
+                    <a:pt x="2473524" y="1535346"/>
+                  </a:lnTo>
+                  <a:lnTo>
+                    <a:pt x="2473524" y="1450049"/>
+                  </a:lnTo>
+                  <a:lnTo>
+                    <a:pt x="2473524" y="1364752"/>
+                  </a:lnTo>
+                  <a:lnTo>
+                    <a:pt x="2473524" y="1279455"/>
+                  </a:lnTo>
+                  <a:lnTo>
+                    <a:pt x="2473524" y="1194158"/>
+                  </a:lnTo>
+                  <a:lnTo>
+                    <a:pt x="2473524" y="1108861"/>
+                  </a:lnTo>
+                  <a:lnTo>
+                    <a:pt x="2473524" y="1023564"/>
+                  </a:lnTo>
+                  <a:lnTo>
+                    <a:pt x="2473524" y="938267"/>
+                  </a:lnTo>
+                  <a:lnTo>
+                    <a:pt x="2473524" y="852970"/>
+                  </a:lnTo>
+                  <a:lnTo>
+                    <a:pt x="2473524" y="767673"/>
+                  </a:lnTo>
+                  <a:lnTo>
+                    <a:pt x="2473524" y="682376"/>
+                  </a:lnTo>
+                  <a:lnTo>
+                    <a:pt x="2473524" y="597079"/>
+                  </a:lnTo>
+                  <a:lnTo>
+                    <a:pt x="2473524" y="511782"/>
+                  </a:lnTo>
+                  <a:lnTo>
+                    <a:pt x="2473524" y="426485"/>
+                  </a:lnTo>
+                  <a:lnTo>
+                    <a:pt x="2473524" y="341188"/>
+                  </a:lnTo>
+                  <a:lnTo>
+                    <a:pt x="2473524" y="255891"/>
+                  </a:lnTo>
+                  <a:lnTo>
+                    <a:pt x="2473524" y="170594"/>
+                  </a:lnTo>
+                  <a:lnTo>
+                    <a:pt x="2473524" y="85297"/>
+                  </a:lnTo>
+                  <a:lnTo>
+                    <a:pt x="2473524" y="0"/>
+                  </a:lnTo>
+                  <a:lnTo>
+                    <a:pt x="2389529" y="1426"/>
+                  </a:lnTo>
+                  <a:lnTo>
+                    <a:pt x="2305630" y="5704"/>
+                  </a:lnTo>
+                  <a:lnTo>
+                    <a:pt x="2221925" y="12828"/>
+                  </a:lnTo>
+                  <a:lnTo>
+                    <a:pt x="2138510" y="22791"/>
+                  </a:lnTo>
+                  <a:lnTo>
+                    <a:pt x="2055481" y="35580"/>
+                  </a:lnTo>
+                  <a:lnTo>
+                    <a:pt x="1972935" y="51182"/>
+                  </a:lnTo>
+                  <a:lnTo>
+                    <a:pt x="1890966" y="69577"/>
+                  </a:lnTo>
+                  <a:lnTo>
+                    <a:pt x="1809669" y="90745"/>
+                  </a:lnTo>
+                  <a:lnTo>
+                    <a:pt x="1729138" y="114661"/>
+                  </a:lnTo>
+                  <a:lnTo>
+                    <a:pt x="1649465" y="141299"/>
+                  </a:lnTo>
+                  <a:lnTo>
+                    <a:pt x="1570743" y="170626"/>
+                  </a:lnTo>
+                  <a:lnTo>
+                    <a:pt x="1493062" y="202609"/>
+                  </a:lnTo>
+                  <a:lnTo>
+                    <a:pt x="1416511" y="237212"/>
+                  </a:lnTo>
+                  <a:lnTo>
+                    <a:pt x="1341180" y="274395"/>
+                  </a:lnTo>
+                  <a:lnTo>
+                    <a:pt x="1267155" y="314114"/>
+                  </a:lnTo>
+                  <a:lnTo>
+                    <a:pt x="1194522" y="356323"/>
+                  </a:lnTo>
+                  <a:lnTo>
+                    <a:pt x="1123363" y="400975"/>
+                  </a:lnTo>
+                  <a:lnTo>
+                    <a:pt x="1053762" y="448017"/>
+                  </a:lnTo>
+                  <a:lnTo>
+                    <a:pt x="985798" y="497396"/>
+                  </a:lnTo>
+                  <a:lnTo>
+                    <a:pt x="919551" y="549053"/>
+                  </a:lnTo>
+                  <a:lnTo>
+                    <a:pt x="855095" y="602931"/>
+                  </a:lnTo>
+                  <a:lnTo>
+                    <a:pt x="792506" y="658966"/>
+                  </a:lnTo>
+                  <a:lnTo>
+                    <a:pt x="731856" y="717094"/>
+                  </a:lnTo>
+                  <a:lnTo>
+                    <a:pt x="673215" y="777249"/>
+                  </a:lnTo>
+                  <a:lnTo>
+                    <a:pt x="616651" y="839359"/>
+                  </a:lnTo>
+                  <a:lnTo>
+                    <a:pt x="562228" y="903355"/>
+                  </a:lnTo>
+                  <a:lnTo>
+                    <a:pt x="510009" y="969162"/>
+                  </a:lnTo>
+                  <a:lnTo>
+                    <a:pt x="460056" y="1036704"/>
+                  </a:lnTo>
+                  <a:lnTo>
+                    <a:pt x="412424" y="1105903"/>
+                  </a:lnTo>
+                  <a:lnTo>
+                    <a:pt x="367170" y="1176680"/>
+                  </a:lnTo>
+                  <a:lnTo>
+                    <a:pt x="324345" y="1248952"/>
+                  </a:lnTo>
+                  <a:lnTo>
+                    <a:pt x="283999" y="1322637"/>
+                  </a:lnTo>
+                  <a:lnTo>
+                    <a:pt x="246179" y="1397650"/>
+                  </a:lnTo>
+                  <a:lnTo>
+                    <a:pt x="210927" y="1473904"/>
+                  </a:lnTo>
+                  <a:lnTo>
+                    <a:pt x="178285" y="1551310"/>
+                  </a:lnTo>
+                  <a:lnTo>
+                    <a:pt x="148290" y="1629781"/>
+                  </a:lnTo>
+                  <a:lnTo>
+                    <a:pt x="120978" y="1709225"/>
+                  </a:lnTo>
+                  <a:lnTo>
+                    <a:pt x="96378" y="1789550"/>
+                  </a:lnTo>
+                  <a:lnTo>
+                    <a:pt x="74521" y="1870664"/>
+                  </a:lnTo>
+                  <a:lnTo>
+                    <a:pt x="55430" y="1952474"/>
+                  </a:lnTo>
+                  <a:lnTo>
+                    <a:pt x="39128" y="2034885"/>
+                  </a:lnTo>
+                  <a:lnTo>
+                    <a:pt x="25635" y="2117802"/>
+                  </a:lnTo>
+                  <a:lnTo>
+                    <a:pt x="14964" y="2201129"/>
+                  </a:lnTo>
+                  <a:lnTo>
+                    <a:pt x="7129" y="2284771"/>
+                  </a:lnTo>
+                  <a:lnTo>
+                    <a:pt x="2139" y="2368630"/>
+                  </a:lnTo>
+                  <a:lnTo>
+                    <a:pt x="0" y="2452611"/>
+                  </a:lnTo>
+                  <a:lnTo>
+                    <a:pt x="713" y="2536615"/>
+                  </a:lnTo>
+                  <a:lnTo>
+                    <a:pt x="4278" y="2620547"/>
+                  </a:lnTo>
+                  <a:lnTo>
+                    <a:pt x="10692" y="2704310"/>
+                  </a:lnTo>
+                  <a:lnTo>
+                    <a:pt x="19946" y="2787806"/>
+                  </a:lnTo>
+                  <a:lnTo>
+                    <a:pt x="32029" y="2870941"/>
+                  </a:lnTo>
+                  <a:lnTo>
+                    <a:pt x="46929" y="2953616"/>
+                  </a:lnTo>
+                  <a:lnTo>
+                    <a:pt x="64628" y="3035739"/>
+                  </a:lnTo>
+                  <a:lnTo>
+                    <a:pt x="85105" y="3117212"/>
+                  </a:lnTo>
+                  <a:lnTo>
+                    <a:pt x="108337" y="3197944"/>
+                  </a:lnTo>
+                  <a:lnTo>
+                    <a:pt x="134297" y="3277840"/>
+                  </a:lnTo>
+                  <a:lnTo>
+                    <a:pt x="162955" y="3356809"/>
+                  </a:lnTo>
+                  <a:lnTo>
+                    <a:pt x="194277" y="3434758"/>
+                  </a:lnTo>
+                  <a:lnTo>
+                    <a:pt x="228229" y="3511600"/>
+                  </a:lnTo>
+                  <a:lnTo>
+                    <a:pt x="264770" y="3587244"/>
+                  </a:lnTo>
+                  <a:lnTo>
+                    <a:pt x="303859" y="3661603"/>
+                  </a:lnTo>
+                  <a:lnTo>
+                    <a:pt x="345451" y="3734593"/>
+                  </a:lnTo>
+                  <a:lnTo>
+                    <a:pt x="389497" y="3806128"/>
+                  </a:lnTo>
+                  <a:lnTo>
+                    <a:pt x="435946" y="3876126"/>
+                  </a:lnTo>
+                  <a:lnTo>
+                    <a:pt x="484746" y="3944506"/>
+                  </a:lnTo>
+                  <a:lnTo>
+                    <a:pt x="535839" y="4011190"/>
+                  </a:lnTo>
+                  <a:lnTo>
+                    <a:pt x="589168" y="4076101"/>
+                  </a:lnTo>
+                  <a:lnTo>
+                    <a:pt x="644669" y="4139163"/>
+                  </a:lnTo>
+                  <a:lnTo>
+                    <a:pt x="702281" y="4200304"/>
+                  </a:lnTo>
+                  <a:lnTo>
+                    <a:pt x="761935" y="4259454"/>
+                  </a:lnTo>
+                  <a:lnTo>
+                    <a:pt x="823563" y="4316544"/>
+                  </a:lnTo>
+                  <a:lnTo>
+                    <a:pt x="887094" y="4371508"/>
+                  </a:lnTo>
+                  <a:lnTo>
+                    <a:pt x="952455" y="4424284"/>
+                  </a:lnTo>
+                  <a:lnTo>
+                    <a:pt x="1019570" y="4474809"/>
+                  </a:lnTo>
+                  <a:lnTo>
+                    <a:pt x="1088363" y="4523026"/>
+                  </a:lnTo>
+                  <a:lnTo>
+                    <a:pt x="1158753" y="4568880"/>
+                  </a:lnTo>
+                  <a:lnTo>
+                    <a:pt x="1230659" y="4612317"/>
+                  </a:lnTo>
+                  <a:lnTo>
+                    <a:pt x="1303999" y="4653287"/>
+                  </a:lnTo>
+                  <a:lnTo>
+                    <a:pt x="1378688" y="4691743"/>
+                  </a:lnTo>
+                  <a:lnTo>
+                    <a:pt x="1454640" y="4727641"/>
+                  </a:lnTo>
+                  <a:lnTo>
+                    <a:pt x="1531766" y="4760939"/>
+                  </a:lnTo>
+                  <a:lnTo>
+                    <a:pt x="1609979" y="4791599"/>
+                  </a:lnTo>
+                  <a:lnTo>
+                    <a:pt x="1689188" y="4819585"/>
+                  </a:lnTo>
+                  <a:lnTo>
+                    <a:pt x="1769302" y="4844866"/>
+                  </a:lnTo>
+                  <a:lnTo>
+                    <a:pt x="1850228" y="4867411"/>
+                  </a:lnTo>
+                  <a:lnTo>
+                    <a:pt x="1931873" y="4887196"/>
+                  </a:lnTo>
+                  <a:lnTo>
+                    <a:pt x="2014142" y="4904196"/>
+                  </a:lnTo>
+                  <a:lnTo>
+                    <a:pt x="2096941" y="4918394"/>
+                  </a:lnTo>
+                  <a:lnTo>
+                    <a:pt x="2180175" y="4929771"/>
+                  </a:lnTo>
+                  <a:lnTo>
+                    <a:pt x="2263747" y="4938316"/>
+                  </a:lnTo>
+                  <a:lnTo>
+                    <a:pt x="2347561" y="4944018"/>
+                  </a:lnTo>
+                  <a:lnTo>
+                    <a:pt x="2431520" y="4946871"/>
+                  </a:lnTo>
+                  <a:lnTo>
+                    <a:pt x="2515528" y="4946871"/>
+                  </a:lnTo>
+                  <a:lnTo>
+                    <a:pt x="2599487" y="4944018"/>
+                  </a:lnTo>
+                  <a:lnTo>
+                    <a:pt x="2683301" y="4938316"/>
+                  </a:lnTo>
+                  <a:lnTo>
+                    <a:pt x="2766873" y="4929771"/>
+                  </a:lnTo>
+                  <a:lnTo>
+                    <a:pt x="2850107" y="4918394"/>
+                  </a:lnTo>
+                  <a:lnTo>
+                    <a:pt x="2932906" y="4904196"/>
+                  </a:lnTo>
+                  <a:lnTo>
+                    <a:pt x="3015176" y="4887196"/>
+                  </a:lnTo>
+                  <a:lnTo>
+                    <a:pt x="3096821" y="4867411"/>
+                  </a:lnTo>
+                  <a:lnTo>
+                    <a:pt x="3177747" y="4844866"/>
+                  </a:lnTo>
+                  <a:lnTo>
+                    <a:pt x="3257860" y="4819585"/>
+                  </a:lnTo>
+                  <a:lnTo>
+                    <a:pt x="3337069" y="4791599"/>
+                  </a:lnTo>
+                  <a:lnTo>
+                    <a:pt x="3415282" y="4760939"/>
+                  </a:lnTo>
+                  <a:lnTo>
+                    <a:pt x="3492409" y="4727641"/>
+                  </a:lnTo>
+                  <a:lnTo>
+                    <a:pt x="3568361" y="4691743"/>
+                  </a:lnTo>
+                  <a:lnTo>
+                    <a:pt x="3643049" y="4653287"/>
+                  </a:lnTo>
+                  <a:lnTo>
+                    <a:pt x="3716389" y="4612317"/>
+                  </a:lnTo>
+                  <a:lnTo>
+                    <a:pt x="3788296" y="4568880"/>
+                  </a:lnTo>
+                  <a:lnTo>
+                    <a:pt x="3858686" y="4523026"/>
+                  </a:lnTo>
+                  <a:lnTo>
+                    <a:pt x="3927478" y="4474809"/>
+                  </a:lnTo>
+                  <a:lnTo>
+                    <a:pt x="3994593" y="4424284"/>
+                  </a:lnTo>
+                  <a:lnTo>
+                    <a:pt x="4059954" y="4371508"/>
+                  </a:lnTo>
+                  <a:lnTo>
+                    <a:pt x="4123486" y="4316544"/>
+                  </a:lnTo>
+                  <a:lnTo>
+                    <a:pt x="4185114" y="4259454"/>
+                  </a:lnTo>
+                  <a:lnTo>
+                    <a:pt x="4244768" y="4200304"/>
+                  </a:lnTo>
+                  <a:lnTo>
+                    <a:pt x="4302379" y="4139163"/>
+                  </a:lnTo>
+                  <a:lnTo>
+                    <a:pt x="4357881" y="4076101"/>
+                  </a:lnTo>
+                  <a:lnTo>
+                    <a:pt x="4411209" y="4011190"/>
+                  </a:lnTo>
+                  <a:lnTo>
+                    <a:pt x="4462303" y="3944506"/>
+                  </a:lnTo>
+                  <a:lnTo>
+                    <a:pt x="4511102" y="3876126"/>
+                  </a:lnTo>
+                  <a:lnTo>
+                    <a:pt x="4557552" y="3806128"/>
+                  </a:lnTo>
+                  <a:lnTo>
+                    <a:pt x="4601598" y="3734593"/>
+                  </a:lnTo>
+                  <a:lnTo>
+                    <a:pt x="4643189" y="3661603"/>
+                  </a:lnTo>
+                  <a:lnTo>
+                    <a:pt x="4682278" y="3587244"/>
+                  </a:lnTo>
+                  <a:lnTo>
+                    <a:pt x="4718819" y="3511600"/>
+                  </a:lnTo>
+                  <a:lnTo>
+                    <a:pt x="4752771" y="3434758"/>
+                  </a:lnTo>
+                  <a:lnTo>
+                    <a:pt x="4784094" y="3356809"/>
+                  </a:lnTo>
+                  <a:lnTo>
+                    <a:pt x="4812752" y="3277840"/>
+                  </a:lnTo>
+                  <a:lnTo>
+                    <a:pt x="4838712" y="3197944"/>
+                  </a:lnTo>
+                  <a:lnTo>
+                    <a:pt x="4861943" y="3117212"/>
+                  </a:lnTo>
+                  <a:lnTo>
+                    <a:pt x="4882421" y="3035739"/>
+                  </a:lnTo>
+                  <a:lnTo>
+                    <a:pt x="4900119" y="2953616"/>
+                  </a:lnTo>
+                  <a:lnTo>
+                    <a:pt x="4915019" y="2870941"/>
+                  </a:lnTo>
+                  <a:lnTo>
+                    <a:pt x="4927103" y="2787806"/>
+                  </a:lnTo>
+                  <a:lnTo>
+                    <a:pt x="4936357" y="2704310"/>
+                  </a:lnTo>
+                  <a:lnTo>
+                    <a:pt x="4942770" y="2620547"/>
+                  </a:lnTo>
+                  <a:lnTo>
+                    <a:pt x="4946336" y="2536615"/>
+                  </a:lnTo>
+                  <a:lnTo>
+                    <a:pt x="4947049" y="2452611"/>
+                  </a:lnTo>
+                  <a:lnTo>
+                    <a:pt x="4944909" y="2368630"/>
+                  </a:lnTo>
+                  <a:lnTo>
+                    <a:pt x="4939919" y="2284771"/>
+                  </a:lnTo>
+                  <a:lnTo>
+                    <a:pt x="4932084" y="2201129"/>
+                  </a:lnTo>
+                  <a:lnTo>
+                    <a:pt x="4921414" y="2117802"/>
+                  </a:lnTo>
+                  <a:lnTo>
+                    <a:pt x="4907920" y="2034885"/>
+                  </a:lnTo>
+                  <a:lnTo>
+                    <a:pt x="4891619" y="1952474"/>
+                  </a:lnTo>
+                  <a:lnTo>
+                    <a:pt x="4872528" y="1870664"/>
+                  </a:lnTo>
+                  <a:lnTo>
+                    <a:pt x="4850670" y="1789550"/>
+                  </a:lnTo>
+                  <a:lnTo>
+                    <a:pt x="4826071" y="1709225"/>
+                  </a:lnTo>
+                  <a:lnTo>
+                    <a:pt x="4798758" y="1629781"/>
+                  </a:lnTo>
+                  <a:lnTo>
+                    <a:pt x="4768763" y="1551310"/>
+                  </a:lnTo>
+                  <a:lnTo>
+                    <a:pt x="4736122" y="1473904"/>
+                  </a:lnTo>
+                  <a:lnTo>
+                    <a:pt x="4700870" y="1397650"/>
+                  </a:lnTo>
+                  <a:lnTo>
+                    <a:pt x="4663049" y="1322637"/>
+                  </a:lnTo>
+                  <a:lnTo>
+                    <a:pt x="4622703" y="1248952"/>
+                  </a:lnTo>
+                  <a:lnTo>
+                    <a:pt x="4579879" y="1176680"/>
+                  </a:lnTo>
+                  <a:lnTo>
+                    <a:pt x="4534624" y="1105903"/>
+                  </a:lnTo>
+                  <a:lnTo>
+                    <a:pt x="4486993" y="1036704"/>
+                  </a:lnTo>
+                  <a:lnTo>
+                    <a:pt x="4437039" y="969162"/>
+                  </a:lnTo>
+                  <a:lnTo>
+                    <a:pt x="4384821" y="903355"/>
+                  </a:lnTo>
+                  <a:lnTo>
+                    <a:pt x="4330398" y="839359"/>
+                  </a:lnTo>
+                  <a:lnTo>
+                    <a:pt x="4273833" y="777249"/>
+                  </a:lnTo>
+                  <a:lnTo>
+                    <a:pt x="4215192" y="717094"/>
+                  </a:lnTo>
+                  <a:lnTo>
+                    <a:pt x="4154542" y="658966"/>
+                  </a:lnTo>
+                  <a:lnTo>
+                    <a:pt x="4091953" y="602931"/>
+                  </a:lnTo>
+                  <a:lnTo>
+                    <a:pt x="4027498" y="549053"/>
+                  </a:lnTo>
+                  <a:lnTo>
+                    <a:pt x="3961250" y="497396"/>
+                  </a:lnTo>
+                  <a:lnTo>
+                    <a:pt x="3893287" y="448017"/>
+                  </a:lnTo>
+                  <a:lnTo>
+                    <a:pt x="3823685" y="400975"/>
+                  </a:lnTo>
+                  <a:lnTo>
+                    <a:pt x="3752527" y="356323"/>
+                  </a:lnTo>
+                  <a:lnTo>
+                    <a:pt x="3679893" y="314114"/>
+                  </a:lnTo>
+                  <a:lnTo>
+                    <a:pt x="3605868" y="274395"/>
+                  </a:lnTo>
+                  <a:lnTo>
+                    <a:pt x="3530537" y="237212"/>
+                  </a:lnTo>
+                  <a:lnTo>
+                    <a:pt x="3453987" y="202609"/>
+                  </a:lnTo>
+                  <a:lnTo>
+                    <a:pt x="3376306" y="170626"/>
+                  </a:lnTo>
+                  <a:lnTo>
+                    <a:pt x="3297584" y="141299"/>
+                  </a:lnTo>
+                  <a:lnTo>
+                    <a:pt x="3217911" y="114661"/>
+                  </a:lnTo>
+                  <a:lnTo>
+                    <a:pt x="3137379" y="90745"/>
+                  </a:lnTo>
+                  <a:lnTo>
+                    <a:pt x="3056082" y="69577"/>
+                  </a:lnTo>
+                  <a:lnTo>
+                    <a:pt x="2974113" y="51182"/>
+                  </a:lnTo>
+                  <a:lnTo>
+                    <a:pt x="2891567" y="35580"/>
+                  </a:lnTo>
+                  <a:lnTo>
+                    <a:pt x="2808539" y="22791"/>
+                  </a:lnTo>
+                  <a:lnTo>
+                    <a:pt x="2725124" y="12828"/>
+                  </a:lnTo>
+                  <a:lnTo>
+                    <a:pt x="2641419" y="5704"/>
+                  </a:lnTo>
+                  <a:lnTo>
+                    <a:pt x="2557520" y="1426"/>
+                  </a:lnTo>
+                  <a:lnTo>
+                    <a:pt x="2473524" y="0"/>
+                  </a:lnTo>
+                  <a:lnTo>
+                    <a:pt x="2473524" y="85297"/>
+                  </a:lnTo>
+                  <a:lnTo>
+                    <a:pt x="2473524" y="170594"/>
+                  </a:lnTo>
+                  <a:lnTo>
+                    <a:pt x="2473524" y="255891"/>
+                  </a:lnTo>
+                  <a:lnTo>
+                    <a:pt x="2473524" y="341188"/>
+                  </a:lnTo>
+                  <a:lnTo>
+                    <a:pt x="2473524" y="426485"/>
+                  </a:lnTo>
+                  <a:lnTo>
+                    <a:pt x="2473524" y="511782"/>
+                  </a:lnTo>
+                  <a:lnTo>
+                    <a:pt x="2473524" y="597079"/>
+                  </a:lnTo>
+                  <a:lnTo>
+                    <a:pt x="2473524" y="682376"/>
+                  </a:lnTo>
+                  <a:lnTo>
+                    <a:pt x="2473524" y="767673"/>
+                  </a:lnTo>
+                  <a:lnTo>
+                    <a:pt x="2473524" y="852970"/>
+                  </a:lnTo>
+                  <a:lnTo>
+                    <a:pt x="2473524" y="938267"/>
+                  </a:lnTo>
+                  <a:lnTo>
+                    <a:pt x="2473524" y="1023564"/>
+                  </a:lnTo>
+                  <a:lnTo>
+                    <a:pt x="2473524" y="1108861"/>
+                  </a:lnTo>
+                  <a:lnTo>
+                    <a:pt x="2473524" y="1194158"/>
+                  </a:lnTo>
+                  <a:lnTo>
+                    <a:pt x="2473524" y="1279455"/>
+                  </a:lnTo>
+                  <a:lnTo>
+                    <a:pt x="2473524" y="1364752"/>
+                  </a:lnTo>
+                  <a:lnTo>
+                    <a:pt x="2473524" y="1450049"/>
+                  </a:lnTo>
+                  <a:lnTo>
+                    <a:pt x="2473524" y="1535346"/>
+                  </a:lnTo>
+                  <a:lnTo>
+                    <a:pt x="2473524" y="1620643"/>
+                  </a:lnTo>
+                  <a:lnTo>
+                    <a:pt x="2473524" y="1705940"/>
+                  </a:lnTo>
+                  <a:lnTo>
+                    <a:pt x="2473524" y="1791237"/>
+                  </a:lnTo>
+                  <a:lnTo>
+                    <a:pt x="2473524" y="1876534"/>
+                  </a:lnTo>
+                  <a:lnTo>
+                    <a:pt x="2473524" y="1961831"/>
+                  </a:lnTo>
+                  <a:lnTo>
+                    <a:pt x="2473524" y="2047128"/>
+                  </a:lnTo>
+                  <a:lnTo>
+                    <a:pt x="2473524" y="2132425"/>
+                  </a:lnTo>
+                  <a:lnTo>
+                    <a:pt x="2473524" y="2217722"/>
+                  </a:lnTo>
+                  <a:lnTo>
+                    <a:pt x="2473524" y="2303019"/>
+                  </a:lnTo>
+                  <a:lnTo>
+                    <a:pt x="2473524" y="2388316"/>
                   </a:lnTo>
                   <a:close/>
                 </a:path>
@@ -3480,417 +3061,13 @@
         </p:sp>
         <p:sp>
           <p:nvSpPr>
-            <p:cNvPr id="8" name="pg7"/>
+            <p:cNvPr id="6" name="tx5"/>
             <p:cNvSpPr/>
             <p:nvPr/>
           </p:nvSpPr>
           <p:spPr>
             <a:xfrm>
-              <a:off x="5267781" y="1749568"/>
-              <a:ext cx="218618" cy="2473613"/>
-            </a:xfrm>
-            <a:custGeom>
-              <a:avLst/>
-              <a:pathLst>
-                <a:path w="218618" h="2473613">
-                  <a:moveTo>
-                    <a:pt x="218618" y="2473613"/>
-                  </a:moveTo>
-                  <a:lnTo>
-                    <a:pt x="218618" y="2388316"/>
-                  </a:lnTo>
-                  <a:lnTo>
-                    <a:pt x="218618" y="2303019"/>
-                  </a:lnTo>
-                  <a:lnTo>
-                    <a:pt x="218618" y="2217722"/>
-                  </a:lnTo>
-                  <a:lnTo>
-                    <a:pt x="218618" y="2132425"/>
-                  </a:lnTo>
-                  <a:lnTo>
-                    <a:pt x="218618" y="2047128"/>
-                  </a:lnTo>
-                  <a:lnTo>
-                    <a:pt x="218618" y="1961831"/>
-                  </a:lnTo>
-                  <a:lnTo>
-                    <a:pt x="218618" y="1876534"/>
-                  </a:lnTo>
-                  <a:lnTo>
-                    <a:pt x="218618" y="1791237"/>
-                  </a:lnTo>
-                  <a:lnTo>
-                    <a:pt x="218618" y="1705940"/>
-                  </a:lnTo>
-                  <a:lnTo>
-                    <a:pt x="218618" y="1620643"/>
-                  </a:lnTo>
-                  <a:lnTo>
-                    <a:pt x="218618" y="1535346"/>
-                  </a:lnTo>
-                  <a:lnTo>
-                    <a:pt x="218618" y="1450049"/>
-                  </a:lnTo>
-                  <a:lnTo>
-                    <a:pt x="218618" y="1364752"/>
-                  </a:lnTo>
-                  <a:lnTo>
-                    <a:pt x="218618" y="1279455"/>
-                  </a:lnTo>
-                  <a:lnTo>
-                    <a:pt x="218618" y="1194158"/>
-                  </a:lnTo>
-                  <a:lnTo>
-                    <a:pt x="218618" y="1108861"/>
-                  </a:lnTo>
-                  <a:lnTo>
-                    <a:pt x="218618" y="1023564"/>
-                  </a:lnTo>
-                  <a:lnTo>
-                    <a:pt x="218618" y="938267"/>
-                  </a:lnTo>
-                  <a:lnTo>
-                    <a:pt x="218618" y="852970"/>
-                  </a:lnTo>
-                  <a:lnTo>
-                    <a:pt x="218618" y="767673"/>
-                  </a:lnTo>
-                  <a:lnTo>
-                    <a:pt x="218618" y="682376"/>
-                  </a:lnTo>
-                  <a:lnTo>
-                    <a:pt x="218618" y="597079"/>
-                  </a:lnTo>
-                  <a:lnTo>
-                    <a:pt x="218618" y="511782"/>
-                  </a:lnTo>
-                  <a:lnTo>
-                    <a:pt x="218618" y="426485"/>
-                  </a:lnTo>
-                  <a:lnTo>
-                    <a:pt x="218618" y="341188"/>
-                  </a:lnTo>
-                  <a:lnTo>
-                    <a:pt x="218618" y="255891"/>
-                  </a:lnTo>
-                  <a:lnTo>
-                    <a:pt x="218618" y="170594"/>
-                  </a:lnTo>
-                  <a:lnTo>
-                    <a:pt x="218618" y="85297"/>
-                  </a:lnTo>
-                  <a:lnTo>
-                    <a:pt x="218618" y="0"/>
-                  </a:lnTo>
-                  <a:lnTo>
-                    <a:pt x="109202" y="2421"/>
-                  </a:lnTo>
-                  <a:lnTo>
-                    <a:pt x="0" y="9679"/>
-                  </a:lnTo>
-                  <a:lnTo>
-                    <a:pt x="7538" y="94642"/>
-                  </a:lnTo>
-                  <a:lnTo>
-                    <a:pt x="15077" y="179606"/>
-                  </a:lnTo>
-                  <a:lnTo>
-                    <a:pt x="22615" y="264569"/>
-                  </a:lnTo>
-                  <a:lnTo>
-                    <a:pt x="30154" y="349532"/>
-                  </a:lnTo>
-                  <a:lnTo>
-                    <a:pt x="37692" y="434495"/>
-                  </a:lnTo>
-                  <a:lnTo>
-                    <a:pt x="45231" y="519459"/>
-                  </a:lnTo>
-                  <a:lnTo>
-                    <a:pt x="52769" y="604422"/>
-                  </a:lnTo>
-                  <a:lnTo>
-                    <a:pt x="60308" y="689385"/>
-                  </a:lnTo>
-                  <a:lnTo>
-                    <a:pt x="67847" y="774348"/>
-                  </a:lnTo>
-                  <a:lnTo>
-                    <a:pt x="75385" y="859312"/>
-                  </a:lnTo>
-                  <a:lnTo>
-                    <a:pt x="82924" y="944275"/>
-                  </a:lnTo>
-                  <a:lnTo>
-                    <a:pt x="90462" y="1029238"/>
-                  </a:lnTo>
-                  <a:lnTo>
-                    <a:pt x="98001" y="1114201"/>
-                  </a:lnTo>
-                  <a:lnTo>
-                    <a:pt x="105539" y="1199165"/>
-                  </a:lnTo>
-                  <a:lnTo>
-                    <a:pt x="113078" y="1284128"/>
-                  </a:lnTo>
-                  <a:lnTo>
-                    <a:pt x="120616" y="1369091"/>
-                  </a:lnTo>
-                  <a:lnTo>
-                    <a:pt x="128155" y="1454054"/>
-                  </a:lnTo>
-                  <a:lnTo>
-                    <a:pt x="135694" y="1539018"/>
-                  </a:lnTo>
-                  <a:lnTo>
-                    <a:pt x="143232" y="1623981"/>
-                  </a:lnTo>
-                  <a:lnTo>
-                    <a:pt x="150771" y="1708944"/>
-                  </a:lnTo>
-                  <a:lnTo>
-                    <a:pt x="158309" y="1793907"/>
-                  </a:lnTo>
-                  <a:lnTo>
-                    <a:pt x="165848" y="1878871"/>
-                  </a:lnTo>
-                  <a:lnTo>
-                    <a:pt x="173386" y="1963834"/>
-                  </a:lnTo>
-                  <a:lnTo>
-                    <a:pt x="180925" y="2048797"/>
-                  </a:lnTo>
-                  <a:lnTo>
-                    <a:pt x="188464" y="2133760"/>
-                  </a:lnTo>
-                  <a:lnTo>
-                    <a:pt x="196002" y="2218724"/>
-                  </a:lnTo>
-                  <a:lnTo>
-                    <a:pt x="203541" y="2303687"/>
-                  </a:lnTo>
-                  <a:lnTo>
-                    <a:pt x="211079" y="2388650"/>
-                  </a:lnTo>
-                  <a:close/>
-                </a:path>
-              </a:pathLst>
-            </a:custGeom>
-            <a:solidFill>
-              <a:srgbClr val="819595">
-                <a:alpha val="100000"/>
-              </a:srgbClr>
-            </a:solidFill>
-            <a:ln w="13550" cap="flat">
-              <a:solidFill>
-                <a:srgbClr val="000000">
-                  <a:alpha val="100000"/>
-                </a:srgbClr>
-              </a:solidFill>
-              <a:prstDash val="solid"/>
-              <a:miter/>
-            </a:ln>
-          </p:spPr>
-          <p:txBody>
-            <a:bodyPr/>
-            <a:lstStyle/>
-            <a:p/>
-          </p:txBody>
-        </p:sp>
-        <p:sp>
-          <p:nvSpPr>
-            <p:cNvPr id="9" name="tx8"/>
-            <p:cNvSpPr/>
-            <p:nvPr/>
-          </p:nvSpPr>
-          <p:spPr>
-            <a:xfrm>
-              <a:off x="4890572" y="2705504"/>
-              <a:ext cx="1301071" cy="203576"/>
-            </a:xfrm>
-            <a:prstGeom prst="rect">
-              <a:avLst/>
-            </a:prstGeom>
-            <a:noFill/>
-          </p:spPr>
-          <p:txBody>
-            <a:bodyPr lIns="0" rIns="0" tIns="0" bIns="0" anchorCtr="1" anchor="ctr" wrap="none"/>
-            <a:lstStyle/>
-            <a:p>
-              <a:pPr algn="l" marL="0" marR="0" indent="0">
-                <a:lnSpc>
-                  <a:spcPts val="1707"/>
-                </a:lnSpc>
-                <a:spcBef>
-                  <a:spcPts val="0"/>
-                </a:spcBef>
-                <a:spcAft>
-                  <a:spcPts val="0"/>
-                </a:spcAft>
-              </a:pPr>
-              <a:r>
-                <a:rPr sz="1707">
-                  <a:solidFill>
-                    <a:srgbClr val="000000">
-                      <a:alpha val="100000"/>
-                    </a:srgbClr>
-                  </a:solidFill>
-                  <a:latin typeface="Arial"/>
-                  <a:cs typeface="Arial"/>
-                </a:rPr>
-                <a:t>TORC2 Only </a:t>
-              </a:r>
-            </a:p>
-          </p:txBody>
-        </p:sp>
-        <p:sp>
-          <p:nvSpPr>
-            <p:cNvPr id="10" name="tx9"/>
-            <p:cNvSpPr/>
-            <p:nvPr/>
-          </p:nvSpPr>
-          <p:spPr>
-            <a:xfrm>
-              <a:off x="5450700" y="3065455"/>
-              <a:ext cx="180816" cy="155832"/>
-            </a:xfrm>
-            <a:prstGeom prst="rect">
-              <a:avLst/>
-            </a:prstGeom>
-            <a:noFill/>
-          </p:spPr>
-          <p:txBody>
-            <a:bodyPr lIns="0" rIns="0" tIns="0" bIns="0" anchorCtr="1" anchor="ctr" wrap="none"/>
-            <a:lstStyle/>
-            <a:p>
-              <a:pPr algn="l" marL="0" marR="0" indent="0">
-                <a:lnSpc>
-                  <a:spcPts val="1707"/>
-                </a:lnSpc>
-                <a:spcBef>
-                  <a:spcPts val="0"/>
-                </a:spcBef>
-                <a:spcAft>
-                  <a:spcPts val="0"/>
-                </a:spcAft>
-              </a:pPr>
-              <a:r>
-                <a:rPr sz="1707">
-                  <a:solidFill>
-                    <a:srgbClr val="000000">
-                      <a:alpha val="100000"/>
-                    </a:srgbClr>
-                  </a:solidFill>
-                  <a:latin typeface="Arial"/>
-                  <a:cs typeface="Arial"/>
-                </a:rPr>
-                <a:t> 1</a:t>
-              </a:r>
-            </a:p>
-          </p:txBody>
-        </p:sp>
-        <p:sp>
-          <p:nvSpPr>
-            <p:cNvPr id="11" name="tx10"/>
-            <p:cNvSpPr/>
-            <p:nvPr/>
-          </p:nvSpPr>
-          <p:spPr>
-            <a:xfrm>
-              <a:off x="5462149" y="2874584"/>
-              <a:ext cx="1301071" cy="203576"/>
-            </a:xfrm>
-            <a:prstGeom prst="rect">
-              <a:avLst/>
-            </a:prstGeom>
-            <a:noFill/>
-          </p:spPr>
-          <p:txBody>
-            <a:bodyPr lIns="0" rIns="0" tIns="0" bIns="0" anchorCtr="1" anchor="ctr" wrap="none"/>
-            <a:lstStyle/>
-            <a:p>
-              <a:pPr algn="l" marL="0" marR="0" indent="0">
-                <a:lnSpc>
-                  <a:spcPts val="1707"/>
-                </a:lnSpc>
-                <a:spcBef>
-                  <a:spcPts val="0"/>
-                </a:spcBef>
-                <a:spcAft>
-                  <a:spcPts val="0"/>
-                </a:spcAft>
-              </a:pPr>
-              <a:r>
-                <a:rPr sz="1707">
-                  <a:solidFill>
-                    <a:srgbClr val="000000">
-                      <a:alpha val="100000"/>
-                    </a:srgbClr>
-                  </a:solidFill>
-                  <a:latin typeface="Arial"/>
-                  <a:cs typeface="Arial"/>
-                </a:rPr>
-                <a:t>TORC1 Only </a:t>
-              </a:r>
-            </a:p>
-          </p:txBody>
-        </p:sp>
-        <p:sp>
-          <p:nvSpPr>
-            <p:cNvPr id="12" name="tx11"/>
-            <p:cNvSpPr/>
-            <p:nvPr/>
-          </p:nvSpPr>
-          <p:spPr>
-            <a:xfrm>
-              <a:off x="5961987" y="3231888"/>
-              <a:ext cx="301395" cy="158478"/>
-            </a:xfrm>
-            <a:prstGeom prst="rect">
-              <a:avLst/>
-            </a:prstGeom>
-            <a:noFill/>
-          </p:spPr>
-          <p:txBody>
-            <a:bodyPr lIns="0" rIns="0" tIns="0" bIns="0" anchorCtr="1" anchor="ctr" wrap="none"/>
-            <a:lstStyle/>
-            <a:p>
-              <a:pPr algn="l" marL="0" marR="0" indent="0">
-                <a:lnSpc>
-                  <a:spcPts val="1707"/>
-                </a:lnSpc>
-                <a:spcBef>
-                  <a:spcPts val="0"/>
-                </a:spcBef>
-                <a:spcAft>
-                  <a:spcPts val="0"/>
-                </a:spcAft>
-              </a:pPr>
-              <a:r>
-                <a:rPr sz="1707">
-                  <a:solidFill>
-                    <a:srgbClr val="000000">
-                      <a:alpha val="100000"/>
-                    </a:srgbClr>
-                  </a:solidFill>
-                  <a:latin typeface="Arial"/>
-                  <a:cs typeface="Arial"/>
-                </a:rPr>
-                <a:t> 10</a:t>
-              </a:r>
-            </a:p>
-          </p:txBody>
-        </p:sp>
-        <p:sp>
-          <p:nvSpPr>
-            <p:cNvPr id="13" name="tx12"/>
-            <p:cNvSpPr/>
-            <p:nvPr/>
-          </p:nvSpPr>
-          <p:spPr>
-            <a:xfrm>
-              <a:off x="4059359" y="5100823"/>
+              <a:off x="4588935" y="5219935"/>
               <a:ext cx="1794928" cy="161548"/>
             </a:xfrm>
             <a:prstGeom prst="rect">
@@ -3930,14 +3107,14 @@
         </p:sp>
         <p:sp>
           <p:nvSpPr>
-            <p:cNvPr id="14" name="tx13"/>
+            <p:cNvPr id="7" name="tx6"/>
             <p:cNvSpPr/>
             <p:nvPr/>
           </p:nvSpPr>
           <p:spPr>
             <a:xfrm>
-              <a:off x="4806126" y="5416099"/>
-              <a:ext cx="301395" cy="158478"/>
+              <a:off x="5148904" y="5530130"/>
+              <a:ext cx="674990" cy="163560"/>
             </a:xfrm>
             <a:prstGeom prst="rect">
               <a:avLst/>
@@ -3969,106 +3146,14 @@
                   <a:latin typeface="Arial"/>
                   <a:cs typeface="Arial"/>
                 </a:rPr>
-                <a:t> 59</a:t>
+                <a:t> 100 %</a:t>
               </a:r>
             </a:p>
           </p:txBody>
         </p:sp>
         <p:sp>
           <p:nvSpPr>
-            <p:cNvPr id="15" name="tx14"/>
-            <p:cNvSpPr/>
-            <p:nvPr/>
-          </p:nvSpPr>
-          <p:spPr>
-            <a:xfrm>
-              <a:off x="4925766" y="2748485"/>
-              <a:ext cx="1011850" cy="160596"/>
-            </a:xfrm>
-            <a:prstGeom prst="rect">
-              <a:avLst/>
-            </a:prstGeom>
-            <a:noFill/>
-          </p:spPr>
-          <p:txBody>
-            <a:bodyPr lIns="0" rIns="0" tIns="0" bIns="0" anchorCtr="1" anchor="ctr" wrap="none"/>
-            <a:lstStyle/>
-            <a:p>
-              <a:pPr algn="l" marL="0" marR="0" indent="0">
-                <a:lnSpc>
-                  <a:spcPts val="1707"/>
-                </a:lnSpc>
-                <a:spcBef>
-                  <a:spcPts val="0"/>
-                </a:spcBef>
-                <a:spcAft>
-                  <a:spcPts val="0"/>
-                </a:spcAft>
-              </a:pPr>
-              <a:r>
-                <a:rPr sz="1707">
-                  <a:solidFill>
-                    <a:srgbClr val="000000">
-                      <a:alpha val="100000"/>
-                    </a:srgbClr>
-                  </a:solidFill>
-                  <a:latin typeface="Arial"/>
-                  <a:cs typeface="Arial"/>
-                </a:rPr>
-                <a:t>No TORC </a:t>
-              </a:r>
-            </a:p>
-          </p:txBody>
-        </p:sp>
-        <p:sp>
-          <p:nvSpPr>
-            <p:cNvPr id="16" name="tx15"/>
-            <p:cNvSpPr/>
-            <p:nvPr/>
-          </p:nvSpPr>
-          <p:spPr>
-            <a:xfrm>
-              <a:off x="5341283" y="3065455"/>
-              <a:ext cx="180816" cy="155832"/>
-            </a:xfrm>
-            <a:prstGeom prst="rect">
-              <a:avLst/>
-            </a:prstGeom>
-            <a:noFill/>
-          </p:spPr>
-          <p:txBody>
-            <a:bodyPr lIns="0" rIns="0" tIns="0" bIns="0" anchorCtr="1" anchor="ctr" wrap="none"/>
-            <a:lstStyle/>
-            <a:p>
-              <a:pPr algn="l" marL="0" marR="0" indent="0">
-                <a:lnSpc>
-                  <a:spcPts val="1707"/>
-                </a:lnSpc>
-                <a:spcBef>
-                  <a:spcPts val="0"/>
-                </a:spcBef>
-                <a:spcAft>
-                  <a:spcPts val="0"/>
-                </a:spcAft>
-              </a:pPr>
-              <a:r>
-                <a:rPr sz="1707">
-                  <a:solidFill>
-                    <a:srgbClr val="000000">
-                      <a:alpha val="100000"/>
-                    </a:srgbClr>
-                  </a:solidFill>
-                  <a:latin typeface="Arial"/>
-                  <a:cs typeface="Arial"/>
-                </a:rPr>
-                <a:t> 1</a:t>
-              </a:r>
-            </a:p>
-          </p:txBody>
-        </p:sp>
-        <p:sp>
-          <p:nvSpPr>
-            <p:cNvPr id="17" name="tx16"/>
+            <p:cNvPr id="8" name="tx7"/>
             <p:cNvSpPr/>
             <p:nvPr/>
           </p:nvSpPr>
